--- a/Machine_Learning/ML Methods/K-means/k-means.pptx
+++ b/Machine_Learning/ML Methods/K-means/k-means.pptx
@@ -834,7 +834,7 @@
           <a:p>
             <a:fld id="{98D221B4-74D8-466F-ADB1-4FDDB2BA5E11}" type="datetimeFigureOut">
               <a:rPr lang="cs-CZ" smtClean="0"/>
-              <a:t>28.05.2024</a:t>
+              <a:t>15.06.2024</a:t>
             </a:fld>
             <a:endParaRPr lang="cs-CZ"/>
           </a:p>
@@ -1034,7 +1034,7 @@
           <a:p>
             <a:fld id="{98D221B4-74D8-466F-ADB1-4FDDB2BA5E11}" type="datetimeFigureOut">
               <a:rPr lang="cs-CZ" smtClean="0"/>
-              <a:t>28.05.2024</a:t>
+              <a:t>15.06.2024</a:t>
             </a:fld>
             <a:endParaRPr lang="cs-CZ"/>
           </a:p>
@@ -1244,7 +1244,7 @@
           <a:p>
             <a:fld id="{98D221B4-74D8-466F-ADB1-4FDDB2BA5E11}" type="datetimeFigureOut">
               <a:rPr lang="cs-CZ" smtClean="0"/>
-              <a:t>28.05.2024</a:t>
+              <a:t>15.06.2024</a:t>
             </a:fld>
             <a:endParaRPr lang="cs-CZ"/>
           </a:p>
@@ -1444,7 +1444,7 @@
           <a:p>
             <a:fld id="{98D221B4-74D8-466F-ADB1-4FDDB2BA5E11}" type="datetimeFigureOut">
               <a:rPr lang="cs-CZ" smtClean="0"/>
-              <a:t>28.05.2024</a:t>
+              <a:t>15.06.2024</a:t>
             </a:fld>
             <a:endParaRPr lang="cs-CZ"/>
           </a:p>
@@ -1720,7 +1720,7 @@
           <a:p>
             <a:fld id="{98D221B4-74D8-466F-ADB1-4FDDB2BA5E11}" type="datetimeFigureOut">
               <a:rPr lang="cs-CZ" smtClean="0"/>
-              <a:t>28.05.2024</a:t>
+              <a:t>15.06.2024</a:t>
             </a:fld>
             <a:endParaRPr lang="cs-CZ"/>
           </a:p>
@@ -1988,7 +1988,7 @@
           <a:p>
             <a:fld id="{98D221B4-74D8-466F-ADB1-4FDDB2BA5E11}" type="datetimeFigureOut">
               <a:rPr lang="cs-CZ" smtClean="0"/>
-              <a:t>28.05.2024</a:t>
+              <a:t>15.06.2024</a:t>
             </a:fld>
             <a:endParaRPr lang="cs-CZ"/>
           </a:p>
@@ -2403,7 +2403,7 @@
           <a:p>
             <a:fld id="{98D221B4-74D8-466F-ADB1-4FDDB2BA5E11}" type="datetimeFigureOut">
               <a:rPr lang="cs-CZ" smtClean="0"/>
-              <a:t>28.05.2024</a:t>
+              <a:t>15.06.2024</a:t>
             </a:fld>
             <a:endParaRPr lang="cs-CZ"/>
           </a:p>
@@ -2545,7 +2545,7 @@
           <a:p>
             <a:fld id="{98D221B4-74D8-466F-ADB1-4FDDB2BA5E11}" type="datetimeFigureOut">
               <a:rPr lang="cs-CZ" smtClean="0"/>
-              <a:t>28.05.2024</a:t>
+              <a:t>15.06.2024</a:t>
             </a:fld>
             <a:endParaRPr lang="cs-CZ"/>
           </a:p>
@@ -2658,7 +2658,7 @@
           <a:p>
             <a:fld id="{98D221B4-74D8-466F-ADB1-4FDDB2BA5E11}" type="datetimeFigureOut">
               <a:rPr lang="cs-CZ" smtClean="0"/>
-              <a:t>28.05.2024</a:t>
+              <a:t>15.06.2024</a:t>
             </a:fld>
             <a:endParaRPr lang="cs-CZ"/>
           </a:p>
@@ -2971,7 +2971,7 @@
           <a:p>
             <a:fld id="{98D221B4-74D8-466F-ADB1-4FDDB2BA5E11}" type="datetimeFigureOut">
               <a:rPr lang="cs-CZ" smtClean="0"/>
-              <a:t>28.05.2024</a:t>
+              <a:t>15.06.2024</a:t>
             </a:fld>
             <a:endParaRPr lang="cs-CZ"/>
           </a:p>
@@ -3260,7 +3260,7 @@
           <a:p>
             <a:fld id="{98D221B4-74D8-466F-ADB1-4FDDB2BA5E11}" type="datetimeFigureOut">
               <a:rPr lang="cs-CZ" smtClean="0"/>
-              <a:t>28.05.2024</a:t>
+              <a:t>15.06.2024</a:t>
             </a:fld>
             <a:endParaRPr lang="cs-CZ"/>
           </a:p>
@@ -3503,7 +3503,7 @@
           <a:p>
             <a:fld id="{98D221B4-74D8-466F-ADB1-4FDDB2BA5E11}" type="datetimeFigureOut">
               <a:rPr lang="cs-CZ" smtClean="0"/>
-              <a:t>28.05.2024</a:t>
+              <a:t>15.06.2024</a:t>
             </a:fld>
             <a:endParaRPr lang="cs-CZ"/>
           </a:p>
@@ -4003,8 +4003,8 @@
           </a:p>
         </p:txBody>
       </p:sp>
-      <mc:AlternateContent xmlns:mc="http://schemas.openxmlformats.org/markup-compatibility/2006">
-        <mc:Choice xmlns:a14="http://schemas.microsoft.com/office/drawing/2010/main" Requires="a14">
+      <mc:AlternateContent xmlns:mc="http://schemas.openxmlformats.org/markup-compatibility/2006" xmlns:a14="http://schemas.microsoft.com/office/drawing/2010/main">
+        <mc:Choice Requires="a14">
           <p:sp>
             <p:nvSpPr>
               <p:cNvPr id="36" name="Rectangle 35">
@@ -4471,7 +4471,7 @@
             </p:txBody>
           </p:sp>
         </mc:Choice>
-        <mc:Fallback>
+        <mc:Fallback xmlns="">
           <p:sp>
             <p:nvSpPr>
               <p:cNvPr id="36" name="Rectangle 35">
@@ -5217,8 +5217,8 @@
           </a:p>
         </p:txBody>
       </p:sp>
-      <mc:AlternateContent xmlns:mc="http://schemas.openxmlformats.org/markup-compatibility/2006">
-        <mc:Choice xmlns:a14="http://schemas.microsoft.com/office/drawing/2010/main" Requires="a14">
+      <mc:AlternateContent xmlns:mc="http://schemas.openxmlformats.org/markup-compatibility/2006" xmlns:a14="http://schemas.microsoft.com/office/drawing/2010/main">
+        <mc:Choice Requires="a14">
           <p:graphicFrame>
             <p:nvGraphicFramePr>
               <p:cNvPr id="57" name="Table 56">
@@ -5754,13 +5754,7 @@
                                             <a:rPr lang="en-US" sz="800" b="0" i="1" smtClean="0">
                                               <a:latin typeface="Cambria Math" panose="02040503050406030204" pitchFamily="18" charset="0"/>
                                             </a:rPr>
-                                            <m:t>20</m:t>
-                                          </m:r>
-                                          <m:r>
-                                            <a:rPr lang="en-US" sz="800" b="0" i="1" smtClean="0">
-                                              <a:latin typeface="Cambria Math" panose="02040503050406030204" pitchFamily="18" charset="0"/>
-                                            </a:rPr>
-                                            <m:t>−5</m:t>
+                                            <m:t>20−5</m:t>
                                           </m:r>
                                         </m:e>
                                       </m:d>
@@ -6224,25 +6218,7 @@
                                             <a:rPr lang="en-US" sz="800" b="0" i="1" smtClean="0">
                                               <a:latin typeface="Cambria Math" panose="02040503050406030204" pitchFamily="18" charset="0"/>
                                             </a:rPr>
-                                            <m:t>1</m:t>
-                                          </m:r>
-                                          <m:r>
-                                            <a:rPr lang="en-US" sz="800" b="0" i="1" smtClean="0">
-                                              <a:latin typeface="Cambria Math" panose="02040503050406030204" pitchFamily="18" charset="0"/>
-                                            </a:rPr>
-                                            <m:t>5</m:t>
-                                          </m:r>
-                                          <m:r>
-                                            <a:rPr lang="en-US" sz="800" b="0" i="1" smtClean="0">
-                                              <a:latin typeface="Cambria Math" panose="02040503050406030204" pitchFamily="18" charset="0"/>
-                                            </a:rPr>
-                                            <m:t>−</m:t>
-                                          </m:r>
-                                          <m:r>
-                                            <a:rPr lang="en-US" sz="800" b="0" i="1" smtClean="0">
-                                              <a:latin typeface="Cambria Math" panose="02040503050406030204" pitchFamily="18" charset="0"/>
-                                            </a:rPr>
-                                            <m:t>10</m:t>
+                                            <m:t>15−10</m:t>
                                           </m:r>
                                         </m:e>
                                       </m:d>
@@ -6430,19 +6406,7 @@
                                             <a:rPr lang="en-US" sz="800" b="0" i="1" smtClean="0">
                                               <a:latin typeface="Cambria Math" panose="02040503050406030204" pitchFamily="18" charset="0"/>
                                             </a:rPr>
-                                            <m:t>20</m:t>
-                                          </m:r>
-                                          <m:r>
-                                            <a:rPr lang="en-US" sz="800" b="0" i="1" smtClean="0">
-                                              <a:latin typeface="Cambria Math" panose="02040503050406030204" pitchFamily="18" charset="0"/>
-                                            </a:rPr>
-                                            <m:t>−</m:t>
-                                          </m:r>
-                                          <m:r>
-                                            <a:rPr lang="en-US" sz="800" b="0" i="1" smtClean="0">
-                                              <a:latin typeface="Cambria Math" panose="02040503050406030204" pitchFamily="18" charset="0"/>
-                                            </a:rPr>
-                                            <m:t>10</m:t>
+                                            <m:t>20−10</m:t>
                                           </m:r>
                                         </m:e>
                                       </m:d>
@@ -6684,28 +6648,7 @@
                                   <a:latin typeface="Cambria Math" panose="02040503050406030204" pitchFamily="18" charset="0"/>
                                   <a:ea typeface="Cambria Math" panose="02040503050406030204" pitchFamily="18" charset="0"/>
                                 </a:rPr>
-                                <m:t>5</m:t>
-                              </m:r>
-                              <m:r>
-                                <a:rPr lang="en-US" sz="1200" b="0" i="0" smtClean="0">
-                                  <a:latin typeface="Cambria Math" panose="02040503050406030204" pitchFamily="18" charset="0"/>
-                                  <a:ea typeface="Cambria Math" panose="02040503050406030204" pitchFamily="18" charset="0"/>
-                                </a:rPr>
-                                <m:t>&lt;1</m:t>
-                              </m:r>
-                              <m:r>
-                                <a:rPr lang="en-US" sz="1200" b="0" i="0" smtClean="0">
-                                  <a:latin typeface="Cambria Math" panose="02040503050406030204" pitchFamily="18" charset="0"/>
-                                  <a:ea typeface="Cambria Math" panose="02040503050406030204" pitchFamily="18" charset="0"/>
-                                </a:rPr>
-                                <m:t>0</m:t>
-                              </m:r>
-                              <m:r>
-                                <a:rPr lang="en-US" sz="1200" b="0" i="0" smtClean="0">
-                                  <a:latin typeface="Cambria Math" panose="02040503050406030204" pitchFamily="18" charset="0"/>
-                                  <a:ea typeface="Cambria Math" panose="02040503050406030204" pitchFamily="18" charset="0"/>
-                                </a:rPr>
-                                <m:t> </m:t>
+                                <m:t>5&lt;10 </m:t>
                               </m:r>
                               <m:r>
                                 <a:rPr lang="en-US" sz="1200" b="0" i="1" smtClean="0">
@@ -6927,19 +6870,7 @@
                                             <a:rPr lang="en-US" sz="800" b="0" i="1" smtClean="0">
                                               <a:latin typeface="Cambria Math" panose="02040503050406030204" pitchFamily="18" charset="0"/>
                                             </a:rPr>
-                                            <m:t>15</m:t>
-                                          </m:r>
-                                          <m:r>
-                                            <a:rPr lang="en-US" sz="800" b="0" i="1" smtClean="0">
-                                              <a:latin typeface="Cambria Math" panose="02040503050406030204" pitchFamily="18" charset="0"/>
-                                            </a:rPr>
-                                            <m:t>−</m:t>
-                                          </m:r>
-                                          <m:r>
-                                            <a:rPr lang="en-US" sz="800" b="0" i="1" smtClean="0">
-                                              <a:latin typeface="Cambria Math" panose="02040503050406030204" pitchFamily="18" charset="0"/>
-                                            </a:rPr>
-                                            <m:t>25</m:t>
+                                            <m:t>15−25</m:t>
                                           </m:r>
                                         </m:e>
                                       </m:d>
@@ -7127,31 +7058,7 @@
                                             <a:rPr lang="en-US" sz="800" b="0" i="1" smtClean="0">
                                               <a:latin typeface="Cambria Math" panose="02040503050406030204" pitchFamily="18" charset="0"/>
                                             </a:rPr>
-                                            <m:t>2</m:t>
-                                          </m:r>
-                                          <m:r>
-                                            <a:rPr lang="en-US" sz="800" b="0" i="1" smtClean="0">
-                                              <a:latin typeface="Cambria Math" panose="02040503050406030204" pitchFamily="18" charset="0"/>
-                                            </a:rPr>
-                                            <m:t>0</m:t>
-                                          </m:r>
-                                          <m:r>
-                                            <a:rPr lang="en-US" sz="800" b="0" i="1" smtClean="0">
-                                              <a:latin typeface="Cambria Math" panose="02040503050406030204" pitchFamily="18" charset="0"/>
-                                            </a:rPr>
-                                            <m:t>−</m:t>
-                                          </m:r>
-                                          <m:r>
-                                            <a:rPr lang="en-US" sz="800" b="0" i="1" smtClean="0">
-                                              <a:latin typeface="Cambria Math" panose="02040503050406030204" pitchFamily="18" charset="0"/>
-                                            </a:rPr>
-                                            <m:t>2</m:t>
-                                          </m:r>
-                                          <m:r>
-                                            <a:rPr lang="en-US" sz="800" b="0" i="1" smtClean="0">
-                                              <a:latin typeface="Cambria Math" panose="02040503050406030204" pitchFamily="18" charset="0"/>
-                                            </a:rPr>
-                                            <m:t>5</m:t>
+                                            <m:t>20−25</m:t>
                                           </m:r>
                                         </m:e>
                                       </m:d>
@@ -7393,21 +7300,7 @@
                                   <a:latin typeface="Cambria Math" panose="02040503050406030204" pitchFamily="18" charset="0"/>
                                   <a:ea typeface="Cambria Math" panose="02040503050406030204" pitchFamily="18" charset="0"/>
                                 </a:rPr>
-                                <m:t>10</m:t>
-                              </m:r>
-                              <m:r>
-                                <a:rPr lang="en-US" sz="1200" b="0" i="0" smtClean="0">
-                                  <a:latin typeface="Cambria Math" panose="02040503050406030204" pitchFamily="18" charset="0"/>
-                                  <a:ea typeface="Cambria Math" panose="02040503050406030204" pitchFamily="18" charset="0"/>
-                                </a:rPr>
-                                <m:t>&gt;</m:t>
-                              </m:r>
-                              <m:r>
-                                <a:rPr lang="en-US" sz="1200" b="0" i="0" smtClean="0">
-                                  <a:latin typeface="Cambria Math" panose="02040503050406030204" pitchFamily="18" charset="0"/>
-                                  <a:ea typeface="Cambria Math" panose="02040503050406030204" pitchFamily="18" charset="0"/>
-                                </a:rPr>
-                                <m:t>5 </m:t>
+                                <m:t>10&gt;5 </m:t>
                               </m:r>
                               <m:r>
                                 <a:rPr lang="en-US" sz="1200" b="0" i="1" smtClean="0">
@@ -7629,19 +7522,7 @@
                                             <a:rPr lang="en-US" sz="800" b="0" i="1" smtClean="0">
                                               <a:latin typeface="Cambria Math" panose="02040503050406030204" pitchFamily="18" charset="0"/>
                                             </a:rPr>
-                                            <m:t>15</m:t>
-                                          </m:r>
-                                          <m:r>
-                                            <a:rPr lang="en-US" sz="800" b="0" i="1" smtClean="0">
-                                              <a:latin typeface="Cambria Math" panose="02040503050406030204" pitchFamily="18" charset="0"/>
-                                            </a:rPr>
-                                            <m:t>−</m:t>
-                                          </m:r>
-                                          <m:r>
-                                            <a:rPr lang="en-US" sz="800" b="0" i="1" smtClean="0">
-                                              <a:latin typeface="Cambria Math" panose="02040503050406030204" pitchFamily="18" charset="0"/>
-                                            </a:rPr>
-                                            <m:t>30</m:t>
+                                            <m:t>15−30</m:t>
                                           </m:r>
                                         </m:e>
                                       </m:d>
@@ -7829,19 +7710,7 @@
                                             <a:rPr lang="en-US" sz="800" b="0" i="1" smtClean="0">
                                               <a:latin typeface="Cambria Math" panose="02040503050406030204" pitchFamily="18" charset="0"/>
                                             </a:rPr>
-                                            <m:t>20</m:t>
-                                          </m:r>
-                                          <m:r>
-                                            <a:rPr lang="en-US" sz="800" b="0" i="1" smtClean="0">
-                                              <a:latin typeface="Cambria Math" panose="02040503050406030204" pitchFamily="18" charset="0"/>
-                                            </a:rPr>
-                                            <m:t>−</m:t>
-                                          </m:r>
-                                          <m:r>
-                                            <a:rPr lang="en-US" sz="800" b="0" i="1" smtClean="0">
-                                              <a:latin typeface="Cambria Math" panose="02040503050406030204" pitchFamily="18" charset="0"/>
-                                            </a:rPr>
-                                            <m:t>30</m:t>
+                                            <m:t>20−30</m:t>
                                           </m:r>
                                         </m:e>
                                       </m:d>
@@ -8083,35 +7952,7 @@
                                   <a:latin typeface="Cambria Math" panose="02040503050406030204" pitchFamily="18" charset="0"/>
                                   <a:ea typeface="Cambria Math" panose="02040503050406030204" pitchFamily="18" charset="0"/>
                                 </a:rPr>
-                                <m:t>1</m:t>
-                              </m:r>
-                              <m:r>
-                                <a:rPr lang="en-US" sz="1200" b="0" i="0" smtClean="0">
-                                  <a:latin typeface="Cambria Math" panose="02040503050406030204" pitchFamily="18" charset="0"/>
-                                  <a:ea typeface="Cambria Math" panose="02040503050406030204" pitchFamily="18" charset="0"/>
-                                </a:rPr>
-                                <m:t>5&gt;</m:t>
-                              </m:r>
-                              <m:r>
-                                <a:rPr lang="en-US" sz="1200" b="0" i="0" smtClean="0">
-                                  <a:latin typeface="Cambria Math" panose="02040503050406030204" pitchFamily="18" charset="0"/>
-                                  <a:ea typeface="Cambria Math" panose="02040503050406030204" pitchFamily="18" charset="0"/>
-                                </a:rPr>
-                                <m:t>1</m:t>
-                              </m:r>
-                              <m:r>
-                                <a:rPr lang="en-US" sz="1200" b="0" i="0" smtClean="0">
-                                  <a:latin typeface="Cambria Math" panose="02040503050406030204" pitchFamily="18" charset="0"/>
-                                  <a:ea typeface="Cambria Math" panose="02040503050406030204" pitchFamily="18" charset="0"/>
-                                </a:rPr>
-                                <m:t>0</m:t>
-                              </m:r>
-                              <m:r>
-                                <a:rPr lang="en-US" sz="1200" b="0" i="0" smtClean="0">
-                                  <a:latin typeface="Cambria Math" panose="02040503050406030204" pitchFamily="18" charset="0"/>
-                                  <a:ea typeface="Cambria Math" panose="02040503050406030204" pitchFamily="18" charset="0"/>
-                                </a:rPr>
-                                <m:t> </m:t>
+                                <m:t>15&gt;10 </m:t>
                               </m:r>
                               <m:r>
                                 <a:rPr lang="en-US" sz="1200" b="0" i="1" smtClean="0">
@@ -8333,25 +8174,7 @@
                                             <a:rPr lang="en-US" sz="800" b="0" i="1" smtClean="0">
                                               <a:latin typeface="Cambria Math" panose="02040503050406030204" pitchFamily="18" charset="0"/>
                                             </a:rPr>
-                                            <m:t>15</m:t>
-                                          </m:r>
-                                          <m:r>
-                                            <a:rPr lang="en-US" sz="800" b="0" i="1" smtClean="0">
-                                              <a:latin typeface="Cambria Math" panose="02040503050406030204" pitchFamily="18" charset="0"/>
-                                            </a:rPr>
-                                            <m:t>−</m:t>
-                                          </m:r>
-                                          <m:r>
-                                            <a:rPr lang="en-US" sz="800" b="0" i="1" smtClean="0">
-                                              <a:latin typeface="Cambria Math" panose="02040503050406030204" pitchFamily="18" charset="0"/>
-                                            </a:rPr>
-                                            <m:t>3</m:t>
-                                          </m:r>
-                                          <m:r>
-                                            <a:rPr lang="en-US" sz="800" b="0" i="1" smtClean="0">
-                                              <a:latin typeface="Cambria Math" panose="02040503050406030204" pitchFamily="18" charset="0"/>
-                                            </a:rPr>
-                                            <m:t>5</m:t>
+                                            <m:t>15−35</m:t>
                                           </m:r>
                                         </m:e>
                                       </m:d>
@@ -8539,25 +8362,7 @@
                                             <a:rPr lang="en-US" sz="800" b="0" i="1" smtClean="0">
                                               <a:latin typeface="Cambria Math" panose="02040503050406030204" pitchFamily="18" charset="0"/>
                                             </a:rPr>
-                                            <m:t>20</m:t>
-                                          </m:r>
-                                          <m:r>
-                                            <a:rPr lang="en-US" sz="800" b="0" i="1" smtClean="0">
-                                              <a:latin typeface="Cambria Math" panose="02040503050406030204" pitchFamily="18" charset="0"/>
-                                            </a:rPr>
-                                            <m:t>−</m:t>
-                                          </m:r>
-                                          <m:r>
-                                            <a:rPr lang="en-US" sz="800" b="0" i="1" smtClean="0">
-                                              <a:latin typeface="Cambria Math" panose="02040503050406030204" pitchFamily="18" charset="0"/>
-                                            </a:rPr>
-                                            <m:t>3</m:t>
-                                          </m:r>
-                                          <m:r>
-                                            <a:rPr lang="en-US" sz="800" b="0" i="1" smtClean="0">
-                                              <a:latin typeface="Cambria Math" panose="02040503050406030204" pitchFamily="18" charset="0"/>
-                                            </a:rPr>
-                                            <m:t>5</m:t>
+                                            <m:t>20−35</m:t>
                                           </m:r>
                                         </m:e>
                                       </m:d>
@@ -8799,28 +8604,7 @@
                                   <a:latin typeface="Cambria Math" panose="02040503050406030204" pitchFamily="18" charset="0"/>
                                   <a:ea typeface="Cambria Math" panose="02040503050406030204" pitchFamily="18" charset="0"/>
                                 </a:rPr>
-                                <m:t>2</m:t>
-                              </m:r>
-                              <m:r>
-                                <a:rPr lang="en-US" sz="1200" b="0" i="0" smtClean="0">
-                                  <a:latin typeface="Cambria Math" panose="02040503050406030204" pitchFamily="18" charset="0"/>
-                                  <a:ea typeface="Cambria Math" panose="02040503050406030204" pitchFamily="18" charset="0"/>
-                                </a:rPr>
-                                <m:t>0</m:t>
-                              </m:r>
-                              <m:r>
-                                <a:rPr lang="en-US" sz="1200" b="0" i="0" smtClean="0">
-                                  <a:latin typeface="Cambria Math" panose="02040503050406030204" pitchFamily="18" charset="0"/>
-                                  <a:ea typeface="Cambria Math" panose="02040503050406030204" pitchFamily="18" charset="0"/>
-                                </a:rPr>
-                                <m:t>&gt;</m:t>
-                              </m:r>
-                              <m:r>
-                                <a:rPr lang="en-US" sz="1200" b="0" i="0" smtClean="0">
-                                  <a:latin typeface="Cambria Math" panose="02040503050406030204" pitchFamily="18" charset="0"/>
-                                  <a:ea typeface="Cambria Math" panose="02040503050406030204" pitchFamily="18" charset="0"/>
-                                </a:rPr>
-                                <m:t>15 </m:t>
+                                <m:t>20&gt;15 </m:t>
                               </m:r>
                               <m:r>
                                 <a:rPr lang="en-US" sz="1200" b="0" i="1" smtClean="0">
@@ -8892,7 +8676,7 @@
             </a:graphic>
           </p:graphicFrame>
         </mc:Choice>
-        <mc:Fallback>
+        <mc:Fallback xmlns="">
           <p:graphicFrame>
             <p:nvGraphicFramePr>
               <p:cNvPr id="57" name="Table 56">
@@ -9811,8 +9595,8 @@
           </a:p>
         </p:txBody>
       </p:sp>
-      <mc:AlternateContent xmlns:mc="http://schemas.openxmlformats.org/markup-compatibility/2006">
-        <mc:Choice xmlns:a14="http://schemas.microsoft.com/office/drawing/2010/main" Requires="a14">
+      <mc:AlternateContent xmlns:mc="http://schemas.openxmlformats.org/markup-compatibility/2006" xmlns:a14="http://schemas.microsoft.com/office/drawing/2010/main">
+        <mc:Choice Requires="a14">
           <p:sp>
             <p:nvSpPr>
               <p:cNvPr id="1025" name="Rectangle 1024">
@@ -10312,7 +10096,7 @@
             </p:txBody>
           </p:sp>
         </mc:Choice>
-        <mc:Fallback>
+        <mc:Fallback xmlns="">
           <p:sp>
             <p:nvSpPr>
               <p:cNvPr id="1025" name="Rectangle 1024">
@@ -10357,8 +10141,8 @@
           </p:sp>
         </mc:Fallback>
       </mc:AlternateContent>
-      <mc:AlternateContent xmlns:mc="http://schemas.openxmlformats.org/markup-compatibility/2006">
-        <mc:Choice xmlns:a14="http://schemas.microsoft.com/office/drawing/2010/main" Requires="a14">
+      <mc:AlternateContent xmlns:mc="http://schemas.openxmlformats.org/markup-compatibility/2006" xmlns:a14="http://schemas.microsoft.com/office/drawing/2010/main">
+        <mc:Choice Requires="a14">
           <p:sp>
             <p:nvSpPr>
               <p:cNvPr id="1030" name="Rectangle 1029">
@@ -10709,7 +10493,6 @@
                 </a:endParaRPr>
               </a:p>
               <a:p>
-                <a:pPr/>
                 <a:r>
                   <a:rPr lang="en-US" sz="1200" dirty="0"/>
                   <a:t> </a:t>
@@ -11074,16 +10857,7 @@
                           </a:solidFill>
                           <a:latin typeface="Cambria Math" panose="02040503050406030204" pitchFamily="18" charset="0"/>
                         </a:rPr>
-                        <m:t>=</m:t>
-                      </m:r>
-                      <m:r>
-                        <a:rPr lang="en-US" sz="1200" b="0" i="1" smtClean="0">
-                          <a:solidFill>
-                            <a:schemeClr val="tx1"/>
-                          </a:solidFill>
-                          <a:latin typeface="Cambria Math" panose="02040503050406030204" pitchFamily="18" charset="0"/>
-                        </a:rPr>
-                        <m:t>30</m:t>
+                        <m:t>=30</m:t>
                       </m:r>
                     </m:oMath>
                   </m:oMathPara>
@@ -11201,7 +10975,7 @@
             </p:txBody>
           </p:sp>
         </mc:Choice>
-        <mc:Fallback>
+        <mc:Fallback xmlns="">
           <p:sp>
             <p:nvSpPr>
               <p:cNvPr id="1030" name="Rectangle 1029">
@@ -11588,6 +11362,255 @@
           </a:p>
         </p:txBody>
       </p:sp>
+      <p:grpSp>
+        <p:nvGrpSpPr>
+          <p:cNvPr id="2" name="Group 1">
+            <a:extLst>
+              <a:ext uri="{FF2B5EF4-FFF2-40B4-BE49-F238E27FC236}">
+                <a16:creationId xmlns:a16="http://schemas.microsoft.com/office/drawing/2014/main" id="{46F58E96-19BE-8398-1359-F0F47E8AAA3F}"/>
+              </a:ext>
+            </a:extLst>
+          </p:cNvPr>
+          <p:cNvGrpSpPr/>
+          <p:nvPr/>
+        </p:nvGrpSpPr>
+        <p:grpSpPr>
+          <a:xfrm>
+            <a:off x="9784966" y="-49260"/>
+            <a:ext cx="2263675" cy="713256"/>
+            <a:chOff x="9742225" y="5923565"/>
+            <a:chExt cx="2263675" cy="713256"/>
+          </a:xfrm>
+        </p:grpSpPr>
+        <p:sp>
+          <p:nvSpPr>
+            <p:cNvPr id="4" name="Footer Placeholder 3">
+              <a:extLst>
+                <a:ext uri="{FF2B5EF4-FFF2-40B4-BE49-F238E27FC236}">
+                  <a16:creationId xmlns:a16="http://schemas.microsoft.com/office/drawing/2014/main" id="{EAAB2C18-73D3-9007-821B-1D0CCE6CB81D}"/>
+                </a:ext>
+              </a:extLst>
+            </p:cNvPr>
+            <p:cNvSpPr txBox="1">
+              <a:spLocks/>
+            </p:cNvSpPr>
+            <p:nvPr/>
+          </p:nvSpPr>
+          <p:spPr>
+            <a:xfrm>
+              <a:off x="9742225" y="5923565"/>
+              <a:ext cx="1799063" cy="713256"/>
+            </a:xfrm>
+            <a:prstGeom prst="rect">
+              <a:avLst/>
+            </a:prstGeom>
+          </p:spPr>
+          <p:txBody>
+            <a:bodyPr vert="horz" lIns="91440" tIns="45720" rIns="91440" bIns="45720" rtlCol="0" anchor="ctr"/>
+            <a:lstStyle>
+              <a:defPPr>
+                <a:defRPr lang="es-MX"/>
+              </a:defPPr>
+              <a:lvl1pPr marL="0" algn="l" defTabSz="914400" rtl="0" eaLnBrk="1" latinLnBrk="0" hangingPunct="1">
+                <a:defRPr sz="1800" kern="1200">
+                  <a:solidFill>
+                    <a:schemeClr val="tx1"/>
+                  </a:solidFill>
+                  <a:latin typeface="+mn-lt"/>
+                  <a:ea typeface="+mn-ea"/>
+                  <a:cs typeface="+mn-cs"/>
+                </a:defRPr>
+              </a:lvl1pPr>
+              <a:lvl2pPr marL="457200" algn="l" defTabSz="914400" rtl="0" eaLnBrk="1" latinLnBrk="0" hangingPunct="1">
+                <a:defRPr sz="1800" kern="1200">
+                  <a:solidFill>
+                    <a:schemeClr val="tx1"/>
+                  </a:solidFill>
+                  <a:latin typeface="+mn-lt"/>
+                  <a:ea typeface="+mn-ea"/>
+                  <a:cs typeface="+mn-cs"/>
+                </a:defRPr>
+              </a:lvl2pPr>
+              <a:lvl3pPr marL="914400" algn="l" defTabSz="914400" rtl="0" eaLnBrk="1" latinLnBrk="0" hangingPunct="1">
+                <a:defRPr sz="1800" kern="1200">
+                  <a:solidFill>
+                    <a:schemeClr val="tx1"/>
+                  </a:solidFill>
+                  <a:latin typeface="+mn-lt"/>
+                  <a:ea typeface="+mn-ea"/>
+                  <a:cs typeface="+mn-cs"/>
+                </a:defRPr>
+              </a:lvl3pPr>
+              <a:lvl4pPr marL="1371600" algn="l" defTabSz="914400" rtl="0" eaLnBrk="1" latinLnBrk="0" hangingPunct="1">
+                <a:defRPr sz="1800" kern="1200">
+                  <a:solidFill>
+                    <a:schemeClr val="tx1"/>
+                  </a:solidFill>
+                  <a:latin typeface="+mn-lt"/>
+                  <a:ea typeface="+mn-ea"/>
+                  <a:cs typeface="+mn-cs"/>
+                </a:defRPr>
+              </a:lvl4pPr>
+              <a:lvl5pPr marL="1828800" algn="l" defTabSz="914400" rtl="0" eaLnBrk="1" latinLnBrk="0" hangingPunct="1">
+                <a:defRPr sz="1800" kern="1200">
+                  <a:solidFill>
+                    <a:schemeClr val="tx1"/>
+                  </a:solidFill>
+                  <a:latin typeface="+mn-lt"/>
+                  <a:ea typeface="+mn-ea"/>
+                  <a:cs typeface="+mn-cs"/>
+                </a:defRPr>
+              </a:lvl5pPr>
+              <a:lvl6pPr marL="2286000" algn="l" defTabSz="914400" rtl="0" eaLnBrk="1" latinLnBrk="0" hangingPunct="1">
+                <a:defRPr sz="1800" kern="1200">
+                  <a:solidFill>
+                    <a:schemeClr val="tx1"/>
+                  </a:solidFill>
+                  <a:latin typeface="+mn-lt"/>
+                  <a:ea typeface="+mn-ea"/>
+                  <a:cs typeface="+mn-cs"/>
+                </a:defRPr>
+              </a:lvl6pPr>
+              <a:lvl7pPr marL="2743200" algn="l" defTabSz="914400" rtl="0" eaLnBrk="1" latinLnBrk="0" hangingPunct="1">
+                <a:defRPr sz="1800" kern="1200">
+                  <a:solidFill>
+                    <a:schemeClr val="tx1"/>
+                  </a:solidFill>
+                  <a:latin typeface="+mn-lt"/>
+                  <a:ea typeface="+mn-ea"/>
+                  <a:cs typeface="+mn-cs"/>
+                </a:defRPr>
+              </a:lvl7pPr>
+              <a:lvl8pPr marL="3200400" algn="l" defTabSz="914400" rtl="0" eaLnBrk="1" latinLnBrk="0" hangingPunct="1">
+                <a:defRPr sz="1800" kern="1200">
+                  <a:solidFill>
+                    <a:schemeClr val="tx1"/>
+                  </a:solidFill>
+                  <a:latin typeface="+mn-lt"/>
+                  <a:ea typeface="+mn-ea"/>
+                  <a:cs typeface="+mn-cs"/>
+                </a:defRPr>
+              </a:lvl8pPr>
+              <a:lvl9pPr marL="3657600" algn="l" defTabSz="914400" rtl="0" eaLnBrk="1" latinLnBrk="0" hangingPunct="1">
+                <a:defRPr sz="1800" kern="1200">
+                  <a:solidFill>
+                    <a:schemeClr val="tx1"/>
+                  </a:solidFill>
+                  <a:latin typeface="+mn-lt"/>
+                  <a:ea typeface="+mn-ea"/>
+                  <a:cs typeface="+mn-cs"/>
+                </a:defRPr>
+              </a:lvl9pPr>
+            </a:lstStyle>
+            <a:p>
+              <a:r>
+                <a:rPr lang="en-GB" sz="1100" dirty="0">
+                  <a:solidFill>
+                    <a:schemeClr val="bg2">
+                      <a:lumMod val="50000"/>
+                    </a:schemeClr>
+                  </a:solidFill>
+                </a:rPr>
+                <a:t>© 202</a:t>
+              </a:r>
+              <a:r>
+                <a:rPr lang="cs-CZ" sz="1100" dirty="0">
+                  <a:solidFill>
+                    <a:schemeClr val="bg2">
+                      <a:lumMod val="50000"/>
+                    </a:schemeClr>
+                  </a:solidFill>
+                </a:rPr>
+                <a:t>4</a:t>
+              </a:r>
+              <a:r>
+                <a:rPr lang="en-GB" sz="1100" dirty="0">
+                  <a:solidFill>
+                    <a:schemeClr val="bg2">
+                      <a:lumMod val="50000"/>
+                    </a:schemeClr>
+                  </a:solidFill>
+                </a:rPr>
+                <a:t>, Martin Bilek</a:t>
+              </a:r>
+            </a:p>
+            <a:p>
+              <a:r>
+                <a:rPr lang="en-GB" sz="1000" dirty="0">
+                  <a:solidFill>
+                    <a:srgbClr val="0070C0"/>
+                  </a:solidFill>
+                  <a:hlinkClick r:id="rId6"/>
+                </a:rPr>
+                <a:t>https://englishwithmartin.com</a:t>
+              </a:r>
+              <a:endParaRPr lang="en-GB" sz="1000" dirty="0">
+                <a:solidFill>
+                  <a:srgbClr val="0070C0"/>
+                </a:solidFill>
+              </a:endParaRPr>
+            </a:p>
+            <a:p>
+              <a:r>
+                <a:rPr lang="en-GB" sz="1000" dirty="0">
+                  <a:solidFill>
+                    <a:srgbClr val="0070C0"/>
+                  </a:solidFill>
+                  <a:hlinkClick r:id="rId7">
+                    <a:extLst>
+                      <a:ext uri="{A12FA001-AC4F-418D-AE19-62706E023703}">
+                        <ahyp:hlinkClr xmlns:ahyp="http://schemas.microsoft.com/office/drawing/2018/hyperlinkcolor" val="tx"/>
+                      </a:ext>
+                    </a:extLst>
+                  </a:hlinkClick>
+                </a:rPr>
+                <a:t>martin.bilek48@gmail.com</a:t>
+              </a:r>
+              <a:endParaRPr lang="en-GB" sz="1000" dirty="0">
+                <a:solidFill>
+                  <a:srgbClr val="0070C0"/>
+                </a:solidFill>
+              </a:endParaRPr>
+            </a:p>
+          </p:txBody>
+        </p:sp>
+        <p:pic>
+          <p:nvPicPr>
+            <p:cNvPr id="5" name="Picture 4">
+              <a:extLst>
+                <a:ext uri="{FF2B5EF4-FFF2-40B4-BE49-F238E27FC236}">
+                  <a16:creationId xmlns:a16="http://schemas.microsoft.com/office/drawing/2014/main" id="{8360FAF5-D5D0-1ECE-7BB8-270B28543E82}"/>
+                </a:ext>
+              </a:extLst>
+            </p:cNvPr>
+            <p:cNvPicPr>
+              <a:picLocks noChangeAspect="1"/>
+            </p:cNvPicPr>
+            <p:nvPr/>
+          </p:nvPicPr>
+          <p:blipFill>
+            <a:blip r:embed="rId8" cstate="hqprint">
+              <a:extLst>
+                <a:ext uri="{28A0092B-C50C-407E-A947-70E740481C1C}">
+                  <a14:useLocalDpi xmlns:a14="http://schemas.microsoft.com/office/drawing/2010/main" val="0"/>
+                </a:ext>
+              </a:extLst>
+            </a:blip>
+            <a:stretch>
+              <a:fillRect/>
+            </a:stretch>
+          </p:blipFill>
+          <p:spPr>
+            <a:xfrm>
+              <a:off x="11480328" y="6030111"/>
+              <a:ext cx="525572" cy="525572"/>
+            </a:xfrm>
+            <a:prstGeom prst="rect">
+              <a:avLst/>
+            </a:prstGeom>
+          </p:spPr>
+        </p:pic>
+      </p:grpSp>
     </p:spTree>
     <p:extLst>
       <p:ext uri="{BB962C8B-B14F-4D97-AF65-F5344CB8AC3E}">
